--- a/PPTs/709.pptx
+++ b/PPTs/709.pptx
@@ -7,16 +7,15 @@
   <p:sldIdLst>
     <p:sldId id="389" r:id="rId2"/>
     <p:sldId id="390" r:id="rId3"/>
-    <p:sldId id="391" r:id="rId4"/>
-    <p:sldId id="392" r:id="rId5"/>
-    <p:sldId id="393" r:id="rId6"/>
-    <p:sldId id="394" r:id="rId7"/>
-    <p:sldId id="395" r:id="rId8"/>
-    <p:sldId id="396" r:id="rId9"/>
-    <p:sldId id="397" r:id="rId10"/>
-    <p:sldId id="398" r:id="rId11"/>
-    <p:sldId id="399" r:id="rId12"/>
-    <p:sldId id="400" r:id="rId13"/>
+    <p:sldId id="392" r:id="rId4"/>
+    <p:sldId id="393" r:id="rId5"/>
+    <p:sldId id="394" r:id="rId6"/>
+    <p:sldId id="395" r:id="rId7"/>
+    <p:sldId id="396" r:id="rId8"/>
+    <p:sldId id="397" r:id="rId9"/>
+    <p:sldId id="398" r:id="rId10"/>
+    <p:sldId id="399" r:id="rId11"/>
+    <p:sldId id="400" r:id="rId12"/>
   </p:sldIdLst>
   <p:sldSz cx="12192000" cy="6858000"/>
   <p:notesSz cx="6858000" cy="9144000"/>
@@ -24263,7 +24262,7 @@
           <a:p>
             <a:fld id="{CCB236BB-53DE-4462-8C4F-7698E6995948}" type="datetimeFigureOut">
               <a:rPr lang="en-IN" smtClean="0"/>
-              <a:t>07-02-2021</a:t>
+              <a:t>21-03-2021</a:t>
             </a:fld>
             <a:endParaRPr lang="en-IN" dirty="0"/>
           </a:p>
@@ -24463,7 +24462,7 @@
           <a:p>
             <a:fld id="{CCB236BB-53DE-4462-8C4F-7698E6995948}" type="datetimeFigureOut">
               <a:rPr lang="en-IN" smtClean="0"/>
-              <a:t>07-02-2021</a:t>
+              <a:t>21-03-2021</a:t>
             </a:fld>
             <a:endParaRPr lang="en-IN" dirty="0"/>
           </a:p>
@@ -24673,7 +24672,7 @@
           <a:p>
             <a:fld id="{CCB236BB-53DE-4462-8C4F-7698E6995948}" type="datetimeFigureOut">
               <a:rPr lang="en-IN" smtClean="0"/>
-              <a:t>07-02-2021</a:t>
+              <a:t>21-03-2021</a:t>
             </a:fld>
             <a:endParaRPr lang="en-IN" dirty="0"/>
           </a:p>
@@ -24873,7 +24872,7 @@
           <a:p>
             <a:fld id="{CCB236BB-53DE-4462-8C4F-7698E6995948}" type="datetimeFigureOut">
               <a:rPr lang="en-IN" smtClean="0"/>
-              <a:t>07-02-2021</a:t>
+              <a:t>21-03-2021</a:t>
             </a:fld>
             <a:endParaRPr lang="en-IN" dirty="0"/>
           </a:p>
@@ -25149,7 +25148,7 @@
           <a:p>
             <a:fld id="{CCB236BB-53DE-4462-8C4F-7698E6995948}" type="datetimeFigureOut">
               <a:rPr lang="en-IN" smtClean="0"/>
-              <a:t>07-02-2021</a:t>
+              <a:t>21-03-2021</a:t>
             </a:fld>
             <a:endParaRPr lang="en-IN" dirty="0"/>
           </a:p>
@@ -25417,7 +25416,7 @@
           <a:p>
             <a:fld id="{CCB236BB-53DE-4462-8C4F-7698E6995948}" type="datetimeFigureOut">
               <a:rPr lang="en-IN" smtClean="0"/>
-              <a:t>07-02-2021</a:t>
+              <a:t>21-03-2021</a:t>
             </a:fld>
             <a:endParaRPr lang="en-IN" dirty="0"/>
           </a:p>
@@ -25832,7 +25831,7 @@
           <a:p>
             <a:fld id="{CCB236BB-53DE-4462-8C4F-7698E6995948}" type="datetimeFigureOut">
               <a:rPr lang="en-IN" smtClean="0"/>
-              <a:t>07-02-2021</a:t>
+              <a:t>21-03-2021</a:t>
             </a:fld>
             <a:endParaRPr lang="en-IN" dirty="0"/>
           </a:p>
@@ -25974,7 +25973,7 @@
           <a:p>
             <a:fld id="{CCB236BB-53DE-4462-8C4F-7698E6995948}" type="datetimeFigureOut">
               <a:rPr lang="en-IN" smtClean="0"/>
-              <a:t>07-02-2021</a:t>
+              <a:t>21-03-2021</a:t>
             </a:fld>
             <a:endParaRPr lang="en-IN" dirty="0"/>
           </a:p>
@@ -26087,7 +26086,7 @@
           <a:p>
             <a:fld id="{CCB236BB-53DE-4462-8C4F-7698E6995948}" type="datetimeFigureOut">
               <a:rPr lang="en-IN" smtClean="0"/>
-              <a:t>07-02-2021</a:t>
+              <a:t>21-03-2021</a:t>
             </a:fld>
             <a:endParaRPr lang="en-IN" dirty="0"/>
           </a:p>
@@ -26400,7 +26399,7 @@
           <a:p>
             <a:fld id="{CCB236BB-53DE-4462-8C4F-7698E6995948}" type="datetimeFigureOut">
               <a:rPr lang="en-IN" smtClean="0"/>
-              <a:t>07-02-2021</a:t>
+              <a:t>21-03-2021</a:t>
             </a:fld>
             <a:endParaRPr lang="en-IN" dirty="0"/>
           </a:p>
@@ -26689,7 +26688,7 @@
           <a:p>
             <a:fld id="{CCB236BB-53DE-4462-8C4F-7698E6995948}" type="datetimeFigureOut">
               <a:rPr lang="en-IN" smtClean="0"/>
-              <a:t>07-02-2021</a:t>
+              <a:t>21-03-2021</a:t>
             </a:fld>
             <a:endParaRPr lang="en-IN" dirty="0"/>
           </a:p>
@@ -26935,7 +26934,7 @@
           <a:p>
             <a:fld id="{CCB236BB-53DE-4462-8C4F-7698E6995948}" type="datetimeFigureOut">
               <a:rPr lang="en-IN" smtClean="0"/>
-              <a:t>07-02-2021</a:t>
+              <a:t>21-03-2021</a:t>
             </a:fld>
             <a:endParaRPr lang="en-IN" dirty="0"/>
           </a:p>
@@ -27599,198 +27598,6 @@
           <p:cNvPr id="4" name="TextBox 3">
             <a:extLst>
               <a:ext uri="{FF2B5EF4-FFF2-40B4-BE49-F238E27FC236}">
-                <a16:creationId xmlns:a16="http://schemas.microsoft.com/office/drawing/2014/main" id="{24AF5DFB-90BD-453A-A28C-0149EBE61CE1}"/>
-              </a:ext>
-            </a:extLst>
-          </p:cNvPr>
-          <p:cNvSpPr txBox="1"/>
-          <p:nvPr/>
-        </p:nvSpPr>
-        <p:spPr>
-          <a:xfrm>
-            <a:off x="0" y="5401643"/>
-            <a:ext cx="12192000" cy="2123658"/>
-          </a:xfrm>
-          <a:prstGeom prst="rect">
-            <a:avLst/>
-          </a:prstGeom>
-        </p:spPr>
-        <p:txBody>
-          <a:bodyPr wrap="square">
-            <a:spAutoFit/>
-          </a:bodyPr>
-          <a:lstStyle>
-            <a:defPPr>
-              <a:defRPr lang="en-US"/>
-            </a:defPPr>
-            <a:lvl1pPr algn="ctr">
-              <a:defRPr sz="4400" b="1">
-                <a:ln>
-                  <a:solidFill>
-                    <a:sysClr val="windowText" lastClr="000000"/>
-                  </a:solidFill>
-                </a:ln>
-                <a:solidFill>
-                  <a:schemeClr val="bg1"/>
-                </a:solidFill>
-                <a:effectLst>
-                  <a:outerShdw blurRad="38100" dist="38100" dir="2700000" algn="tl">
-                    <a:srgbClr val="000000">
-                      <a:alpha val="43137"/>
-                    </a:srgbClr>
-                  </a:outerShdw>
-                </a:effectLst>
-                <a:latin typeface="Tamil-049" pitchFamily="2" charset="0"/>
-              </a:defRPr>
-            </a:lvl1pPr>
-          </a:lstStyle>
-          <a:p>
-            <a:r>
-              <a:rPr lang="en-IN" dirty="0"/>
-              <a:t>®</a:t>
-            </a:r>
-            <a:r>
-              <a:rPr lang="en-IN" dirty="0" err="1"/>
-              <a:t>ÑYôN</a:t>
-            </a:r>
-            <a:r>
-              <a:rPr lang="en-IN" dirty="0"/>
-              <a:t> </a:t>
-            </a:r>
-            <a:r>
-              <a:rPr lang="en-IN" dirty="0" err="1"/>
-              <a:t>ÏÓmTeLs</a:t>
-            </a:r>
-            <a:r>
-              <a:rPr lang="en-IN" dirty="0"/>
-              <a:t> </a:t>
-            </a:r>
-            <a:r>
-              <a:rPr lang="en-IN" dirty="0" err="1"/>
-              <a:t>TÛLhÓm</a:t>
-            </a:r>
-            <a:endParaRPr lang="en-IN" dirty="0"/>
-          </a:p>
-          <a:p>
-            <a:r>
-              <a:rPr lang="en-IN" dirty="0"/>
-              <a:t>Rm </a:t>
-            </a:r>
-            <a:r>
-              <a:rPr lang="en-IN" dirty="0" err="1"/>
-              <a:t>ùNôkR</a:t>
-            </a:r>
-            <a:r>
-              <a:rPr lang="en-IN" dirty="0"/>
-              <a:t> _]</a:t>
-            </a:r>
-            <a:r>
-              <a:rPr lang="en-IN" dirty="0" err="1"/>
-              <a:t>jûR</a:t>
-            </a:r>
-            <a:r>
-              <a:rPr lang="en-IN" dirty="0"/>
-              <a:t> </a:t>
-            </a:r>
-            <a:r>
-              <a:rPr lang="en-IN" dirty="0" err="1"/>
-              <a:t>ÁhLhÓm</a:t>
-            </a:r>
-            <a:endParaRPr lang="en-IN" dirty="0"/>
-          </a:p>
-          <a:p>
-            <a:endParaRPr lang="en-IN" dirty="0"/>
-          </a:p>
-        </p:txBody>
-      </p:sp>
-    </p:spTree>
-    <p:extLst>
-      <p:ext uri="{BB962C8B-B14F-4D97-AF65-F5344CB8AC3E}">
-        <p14:creationId xmlns:p14="http://schemas.microsoft.com/office/powerpoint/2010/main" val="2964080828"/>
-      </p:ext>
-    </p:extLst>
-  </p:cSld>
-  <p:clrMapOvr>
-    <a:masterClrMapping/>
-  </p:clrMapOvr>
-</p:sld>
-</file>
-
-<file path=ppt/slides/slide11.xml><?xml version="1.0" encoding="utf-8"?>
-<p:sld xmlns:a="http://schemas.openxmlformats.org/drawingml/2006/main" xmlns:r="http://schemas.openxmlformats.org/officeDocument/2006/relationships" xmlns:p="http://schemas.openxmlformats.org/presentationml/2006/main">
-  <p:cSld>
-    <p:spTree>
-      <p:nvGrpSpPr>
-        <p:cNvPr id="1" name=""/>
-        <p:cNvGrpSpPr/>
-        <p:nvPr/>
-      </p:nvGrpSpPr>
-      <p:grpSpPr>
-        <a:xfrm>
-          <a:off x="0" y="0"/>
-          <a:ext cx="0" cy="0"/>
-          <a:chOff x="0" y="0"/>
-          <a:chExt cx="0" cy="0"/>
-        </a:xfrm>
-      </p:grpSpPr>
-      <p:sp>
-        <p:nvSpPr>
-          <p:cNvPr id="6" name="Rectangle 5">
-            <a:extLst>
-              <a:ext uri="{FF2B5EF4-FFF2-40B4-BE49-F238E27FC236}">
-                <a16:creationId xmlns:a16="http://schemas.microsoft.com/office/drawing/2014/main" id="{78BDB258-58CC-44AE-80BE-DB2ADED7CF91}"/>
-              </a:ext>
-            </a:extLst>
-          </p:cNvPr>
-          <p:cNvSpPr/>
-          <p:nvPr/>
-        </p:nvSpPr>
-        <p:spPr>
-          <a:xfrm>
-            <a:off x="0" y="5392855"/>
-            <a:ext cx="12192000" cy="1465145"/>
-          </a:xfrm>
-          <a:prstGeom prst="rect">
-            <a:avLst/>
-          </a:prstGeom>
-          <a:blipFill>
-            <a:blip r:embed="rId2"/>
-            <a:tile tx="0" ty="0" sx="100000" sy="100000" flip="none" algn="tl"/>
-          </a:blipFill>
-          <a:ln>
-            <a:noFill/>
-          </a:ln>
-        </p:spPr>
-        <p:style>
-          <a:lnRef idx="2">
-            <a:schemeClr val="dk1">
-              <a:shade val="50000"/>
-            </a:schemeClr>
-          </a:lnRef>
-          <a:fillRef idx="1">
-            <a:schemeClr val="dk1"/>
-          </a:fillRef>
-          <a:effectRef idx="0">
-            <a:schemeClr val="dk1"/>
-          </a:effectRef>
-          <a:fontRef idx="minor">
-            <a:schemeClr val="lt1"/>
-          </a:fontRef>
-        </p:style>
-        <p:txBody>
-          <a:bodyPr rtlCol="0" anchor="ctr"/>
-          <a:lstStyle/>
-          <a:p>
-            <a:pPr algn="ctr"/>
-            <a:endParaRPr lang="en-IN" dirty="0"/>
-          </a:p>
-        </p:txBody>
-      </p:sp>
-      <p:sp>
-        <p:nvSpPr>
-          <p:cNvPr id="4" name="TextBox 3">
-            <a:extLst>
-              <a:ext uri="{FF2B5EF4-FFF2-40B4-BE49-F238E27FC236}">
                 <a16:creationId xmlns:a16="http://schemas.microsoft.com/office/drawing/2014/main" id="{D23B0DBF-83B7-4A4F-BFAB-74D07C3478FC}"/>
               </a:ext>
             </a:extLst>
@@ -27905,7 +27712,7 @@
 </p:sld>
 </file>
 
-<file path=ppt/slides/slide12.xml><?xml version="1.0" encoding="utf-8"?>
+<file path=ppt/slides/slide11.xml><?xml version="1.0" encoding="utf-8"?>
 <p:sld xmlns:a="http://schemas.openxmlformats.org/drawingml/2006/main" xmlns:r="http://schemas.openxmlformats.org/officeDocument/2006/relationships" xmlns:p="http://schemas.openxmlformats.org/presentationml/2006/main">
   <p:cSld>
     <p:spTree>
@@ -28200,12 +28007,9 @@
               <a:rPr lang="en-IN" dirty="0" err="1"/>
               <a:t>TW®Óm</a:t>
             </a:r>
-            <a:endParaRPr lang="en-IN" dirty="0"/>
-          </a:p>
-          <a:p>
             <a:r>
               <a:rPr lang="en-IN" dirty="0"/>
-              <a:t>§</a:t>
+              <a:t> §</a:t>
             </a:r>
             <a:r>
               <a:rPr lang="en-IN" dirty="0" err="1"/>
@@ -28227,147 +28031,9 @@
               <a:rPr lang="en-IN" dirty="0" err="1"/>
               <a:t>ùTÚ¡Óm</a:t>
             </a:r>
-            <a:endParaRPr lang="en-IN" dirty="0"/>
-          </a:p>
-        </p:txBody>
-      </p:sp>
-    </p:spTree>
-    <p:extLst>
-      <p:ext uri="{BB962C8B-B14F-4D97-AF65-F5344CB8AC3E}">
-        <p14:creationId xmlns:p14="http://schemas.microsoft.com/office/powerpoint/2010/main" val="850099564"/>
-      </p:ext>
-    </p:extLst>
-  </p:cSld>
-  <p:clrMapOvr>
-    <a:masterClrMapping/>
-  </p:clrMapOvr>
-</p:sld>
-</file>
-
-<file path=ppt/slides/slide3.xml><?xml version="1.0" encoding="utf-8"?>
-<p:sld xmlns:a="http://schemas.openxmlformats.org/drawingml/2006/main" xmlns:r="http://schemas.openxmlformats.org/officeDocument/2006/relationships" xmlns:p="http://schemas.openxmlformats.org/presentationml/2006/main">
-  <p:cSld>
-    <p:spTree>
-      <p:nvGrpSpPr>
-        <p:cNvPr id="1" name=""/>
-        <p:cNvGrpSpPr/>
-        <p:nvPr/>
-      </p:nvGrpSpPr>
-      <p:grpSpPr>
-        <a:xfrm>
-          <a:off x="0" y="0"/>
-          <a:ext cx="0" cy="0"/>
-          <a:chOff x="0" y="0"/>
-          <a:chExt cx="0" cy="0"/>
-        </a:xfrm>
-      </p:grpSpPr>
-      <p:sp>
-        <p:nvSpPr>
-          <p:cNvPr id="6" name="Rectangle 5">
-            <a:extLst>
-              <a:ext uri="{FF2B5EF4-FFF2-40B4-BE49-F238E27FC236}">
-                <a16:creationId xmlns:a16="http://schemas.microsoft.com/office/drawing/2014/main" id="{78BDB258-58CC-44AE-80BE-DB2ADED7CF91}"/>
-              </a:ext>
-            </a:extLst>
-          </p:cNvPr>
-          <p:cNvSpPr/>
-          <p:nvPr/>
-        </p:nvSpPr>
-        <p:spPr>
-          <a:xfrm>
-            <a:off x="0" y="5392855"/>
-            <a:ext cx="12192000" cy="1465145"/>
-          </a:xfrm>
-          <a:prstGeom prst="rect">
-            <a:avLst/>
-          </a:prstGeom>
-          <a:blipFill>
-            <a:blip r:embed="rId2"/>
-            <a:tile tx="0" ty="0" sx="100000" sy="100000" flip="none" algn="tl"/>
-          </a:blipFill>
-          <a:ln>
-            <a:noFill/>
-          </a:ln>
-        </p:spPr>
-        <p:style>
-          <a:lnRef idx="2">
-            <a:schemeClr val="dk1">
-              <a:shade val="50000"/>
-            </a:schemeClr>
-          </a:lnRef>
-          <a:fillRef idx="1">
-            <a:schemeClr val="dk1"/>
-          </a:fillRef>
-          <a:effectRef idx="0">
-            <a:schemeClr val="dk1"/>
-          </a:effectRef>
-          <a:fontRef idx="minor">
-            <a:schemeClr val="lt1"/>
-          </a:fontRef>
-        </p:style>
-        <p:txBody>
-          <a:bodyPr rtlCol="0" anchor="ctr"/>
-          <a:lstStyle/>
-          <a:p>
-            <a:pPr algn="ctr"/>
-            <a:endParaRPr lang="en-IN" dirty="0"/>
-          </a:p>
-        </p:txBody>
-      </p:sp>
-      <p:sp>
-        <p:nvSpPr>
-          <p:cNvPr id="4" name="TextBox 3">
-            <a:extLst>
-              <a:ext uri="{FF2B5EF4-FFF2-40B4-BE49-F238E27FC236}">
-                <a16:creationId xmlns:a16="http://schemas.microsoft.com/office/drawing/2014/main" id="{7568298F-0F0E-42B6-A370-D48016FEA7A3}"/>
-              </a:ext>
-            </a:extLst>
-          </p:cNvPr>
-          <p:cNvSpPr txBox="1"/>
-          <p:nvPr/>
-        </p:nvSpPr>
-        <p:spPr>
-          <a:xfrm>
-            <a:off x="0" y="5732359"/>
-            <a:ext cx="12192000" cy="769441"/>
-          </a:xfrm>
-          <a:prstGeom prst="rect">
-            <a:avLst/>
-          </a:prstGeom>
-        </p:spPr>
-        <p:txBody>
-          <a:bodyPr wrap="square">
-            <a:spAutoFit/>
-          </a:bodyPr>
-          <a:lstStyle>
-            <a:defPPr>
-              <a:defRPr lang="en-US"/>
-            </a:defPPr>
-            <a:lvl1pPr algn="ctr">
-              <a:defRPr sz="4400" b="1">
-                <a:ln>
-                  <a:solidFill>
-                    <a:sysClr val="windowText" lastClr="000000"/>
-                  </a:solidFill>
-                </a:ln>
-                <a:solidFill>
-                  <a:schemeClr val="bg1"/>
-                </a:solidFill>
-                <a:effectLst>
-                  <a:outerShdw blurRad="38100" dist="38100" dir="2700000" algn="tl">
-                    <a:srgbClr val="000000">
-                      <a:alpha val="43137"/>
-                    </a:srgbClr>
-                  </a:outerShdw>
-                </a:effectLst>
-                <a:latin typeface="Tamil-049" pitchFamily="2" charset="0"/>
-              </a:defRPr>
-            </a:lvl1pPr>
-          </a:lstStyle>
-          <a:p>
             <a:r>
               <a:rPr lang="en-IN" dirty="0"/>
-              <a:t>úRY²u _]</a:t>
+              <a:t> úRY²u _]</a:t>
             </a:r>
             <a:r>
               <a:rPr lang="en-IN" dirty="0" err="1"/>
@@ -28388,7 +28054,7 @@
     </p:spTree>
     <p:extLst>
       <p:ext uri="{BB962C8B-B14F-4D97-AF65-F5344CB8AC3E}">
-        <p14:creationId xmlns:p14="http://schemas.microsoft.com/office/powerpoint/2010/main" val="944968354"/>
+        <p14:creationId xmlns:p14="http://schemas.microsoft.com/office/powerpoint/2010/main" val="850099564"/>
       </p:ext>
     </p:extLst>
   </p:cSld>
@@ -28398,7 +28064,7 @@
 </p:sld>
 </file>
 
-<file path=ppt/slides/slide4.xml><?xml version="1.0" encoding="utf-8"?>
+<file path=ppt/slides/slide3.xml><?xml version="1.0" encoding="utf-8"?>
 <p:sld xmlns:a="http://schemas.openxmlformats.org/drawingml/2006/main" xmlns:r="http://schemas.openxmlformats.org/officeDocument/2006/relationships" xmlns:p="http://schemas.openxmlformats.org/presentationml/2006/main">
   <p:cSld>
     <p:spTree>
@@ -28595,7 +28261,7 @@
 </p:sld>
 </file>
 
-<file path=ppt/slides/slide5.xml><?xml version="1.0" encoding="utf-8"?>
+<file path=ppt/slides/slide4.xml><?xml version="1.0" encoding="utf-8"?>
 <p:sld xmlns:a="http://schemas.openxmlformats.org/drawingml/2006/main" xmlns:r="http://schemas.openxmlformats.org/officeDocument/2006/relationships" xmlns:p="http://schemas.openxmlformats.org/presentationml/2006/main">
   <p:cSld>
     <p:spTree>
@@ -28792,7 +28458,7 @@
 </p:sld>
 </file>
 
-<file path=ppt/slides/slide6.xml><?xml version="1.0" encoding="utf-8"?>
+<file path=ppt/slides/slide5.xml><?xml version="1.0" encoding="utf-8"?>
 <p:sld xmlns:a="http://schemas.openxmlformats.org/drawingml/2006/main" xmlns:r="http://schemas.openxmlformats.org/officeDocument/2006/relationships" xmlns:p="http://schemas.openxmlformats.org/presentationml/2006/main">
   <p:cSld>
     <p:spTree>
@@ -28950,7 +28616,7 @@
 </p:sld>
 </file>
 
-<file path=ppt/slides/slide7.xml><?xml version="1.0" encoding="utf-8"?>
+<file path=ppt/slides/slide6.xml><?xml version="1.0" encoding="utf-8"?>
 <p:sld xmlns:a="http://schemas.openxmlformats.org/drawingml/2006/main" xmlns:r="http://schemas.openxmlformats.org/officeDocument/2006/relationships" xmlns:p="http://schemas.openxmlformats.org/presentationml/2006/main">
   <p:cSld>
     <p:spTree>
@@ -29139,7 +28805,7 @@
 </p:sld>
 </file>
 
-<file path=ppt/slides/slide8.xml><?xml version="1.0" encoding="utf-8"?>
+<file path=ppt/slides/slide7.xml><?xml version="1.0" encoding="utf-8"?>
 <p:sld xmlns:a="http://schemas.openxmlformats.org/drawingml/2006/main" xmlns:r="http://schemas.openxmlformats.org/officeDocument/2006/relationships" xmlns:p="http://schemas.openxmlformats.org/presentationml/2006/main">
   <p:cSld>
     <p:spTree>
@@ -29324,7 +28990,7 @@
 </p:sld>
 </file>
 
-<file path=ppt/slides/slide9.xml><?xml version="1.0" encoding="utf-8"?>
+<file path=ppt/slides/slide8.xml><?xml version="1.0" encoding="utf-8"?>
 <p:sld xmlns:a="http://schemas.openxmlformats.org/drawingml/2006/main" xmlns:r="http://schemas.openxmlformats.org/officeDocument/2006/relationships" xmlns:p="http://schemas.openxmlformats.org/presentationml/2006/main">
   <p:cSld>
     <p:spTree>
@@ -29473,6 +29139,198 @@
     <p:extLst>
       <p:ext uri="{BB962C8B-B14F-4D97-AF65-F5344CB8AC3E}">
         <p14:creationId xmlns:p14="http://schemas.microsoft.com/office/powerpoint/2010/main" val="2940326978"/>
+      </p:ext>
+    </p:extLst>
+  </p:cSld>
+  <p:clrMapOvr>
+    <a:masterClrMapping/>
+  </p:clrMapOvr>
+</p:sld>
+</file>
+
+<file path=ppt/slides/slide9.xml><?xml version="1.0" encoding="utf-8"?>
+<p:sld xmlns:a="http://schemas.openxmlformats.org/drawingml/2006/main" xmlns:r="http://schemas.openxmlformats.org/officeDocument/2006/relationships" xmlns:p="http://schemas.openxmlformats.org/presentationml/2006/main">
+  <p:cSld>
+    <p:spTree>
+      <p:nvGrpSpPr>
+        <p:cNvPr id="1" name=""/>
+        <p:cNvGrpSpPr/>
+        <p:nvPr/>
+      </p:nvGrpSpPr>
+      <p:grpSpPr>
+        <a:xfrm>
+          <a:off x="0" y="0"/>
+          <a:ext cx="0" cy="0"/>
+          <a:chOff x="0" y="0"/>
+          <a:chExt cx="0" cy="0"/>
+        </a:xfrm>
+      </p:grpSpPr>
+      <p:sp>
+        <p:nvSpPr>
+          <p:cNvPr id="6" name="Rectangle 5">
+            <a:extLst>
+              <a:ext uri="{FF2B5EF4-FFF2-40B4-BE49-F238E27FC236}">
+                <a16:creationId xmlns:a16="http://schemas.microsoft.com/office/drawing/2014/main" id="{78BDB258-58CC-44AE-80BE-DB2ADED7CF91}"/>
+              </a:ext>
+            </a:extLst>
+          </p:cNvPr>
+          <p:cNvSpPr/>
+          <p:nvPr/>
+        </p:nvSpPr>
+        <p:spPr>
+          <a:xfrm>
+            <a:off x="0" y="5392855"/>
+            <a:ext cx="12192000" cy="1465145"/>
+          </a:xfrm>
+          <a:prstGeom prst="rect">
+            <a:avLst/>
+          </a:prstGeom>
+          <a:blipFill>
+            <a:blip r:embed="rId2"/>
+            <a:tile tx="0" ty="0" sx="100000" sy="100000" flip="none" algn="tl"/>
+          </a:blipFill>
+          <a:ln>
+            <a:noFill/>
+          </a:ln>
+        </p:spPr>
+        <p:style>
+          <a:lnRef idx="2">
+            <a:schemeClr val="dk1">
+              <a:shade val="50000"/>
+            </a:schemeClr>
+          </a:lnRef>
+          <a:fillRef idx="1">
+            <a:schemeClr val="dk1"/>
+          </a:fillRef>
+          <a:effectRef idx="0">
+            <a:schemeClr val="dk1"/>
+          </a:effectRef>
+          <a:fontRef idx="minor">
+            <a:schemeClr val="lt1"/>
+          </a:fontRef>
+        </p:style>
+        <p:txBody>
+          <a:bodyPr rtlCol="0" anchor="ctr"/>
+          <a:lstStyle/>
+          <a:p>
+            <a:pPr algn="ctr"/>
+            <a:endParaRPr lang="en-IN" dirty="0"/>
+          </a:p>
+        </p:txBody>
+      </p:sp>
+      <p:sp>
+        <p:nvSpPr>
+          <p:cNvPr id="4" name="TextBox 3">
+            <a:extLst>
+              <a:ext uri="{FF2B5EF4-FFF2-40B4-BE49-F238E27FC236}">
+                <a16:creationId xmlns:a16="http://schemas.microsoft.com/office/drawing/2014/main" id="{24AF5DFB-90BD-453A-A28C-0149EBE61CE1}"/>
+              </a:ext>
+            </a:extLst>
+          </p:cNvPr>
+          <p:cNvSpPr txBox="1"/>
+          <p:nvPr/>
+        </p:nvSpPr>
+        <p:spPr>
+          <a:xfrm>
+            <a:off x="0" y="5401643"/>
+            <a:ext cx="12192000" cy="2123658"/>
+          </a:xfrm>
+          <a:prstGeom prst="rect">
+            <a:avLst/>
+          </a:prstGeom>
+        </p:spPr>
+        <p:txBody>
+          <a:bodyPr wrap="square">
+            <a:spAutoFit/>
+          </a:bodyPr>
+          <a:lstStyle>
+            <a:defPPr>
+              <a:defRPr lang="en-US"/>
+            </a:defPPr>
+            <a:lvl1pPr algn="ctr">
+              <a:defRPr sz="4400" b="1">
+                <a:ln>
+                  <a:solidFill>
+                    <a:sysClr val="windowText" lastClr="000000"/>
+                  </a:solidFill>
+                </a:ln>
+                <a:solidFill>
+                  <a:schemeClr val="bg1"/>
+                </a:solidFill>
+                <a:effectLst>
+                  <a:outerShdw blurRad="38100" dist="38100" dir="2700000" algn="tl">
+                    <a:srgbClr val="000000">
+                      <a:alpha val="43137"/>
+                    </a:srgbClr>
+                  </a:outerShdw>
+                </a:effectLst>
+                <a:latin typeface="Tamil-049" pitchFamily="2" charset="0"/>
+              </a:defRPr>
+            </a:lvl1pPr>
+          </a:lstStyle>
+          <a:p>
+            <a:r>
+              <a:rPr lang="en-IN" dirty="0"/>
+              <a:t>®</a:t>
+            </a:r>
+            <a:r>
+              <a:rPr lang="en-IN" dirty="0" err="1"/>
+              <a:t>ÑYôN</a:t>
+            </a:r>
+            <a:r>
+              <a:rPr lang="en-IN" dirty="0"/>
+              <a:t> </a:t>
+            </a:r>
+            <a:r>
+              <a:rPr lang="en-IN" dirty="0" err="1"/>
+              <a:t>ÏÓmTeLs</a:t>
+            </a:r>
+            <a:r>
+              <a:rPr lang="en-IN" dirty="0"/>
+              <a:t> </a:t>
+            </a:r>
+            <a:r>
+              <a:rPr lang="en-IN" dirty="0" err="1"/>
+              <a:t>TÛLhÓm</a:t>
+            </a:r>
+            <a:endParaRPr lang="en-IN" dirty="0"/>
+          </a:p>
+          <a:p>
+            <a:r>
+              <a:rPr lang="en-IN" dirty="0"/>
+              <a:t>Rm </a:t>
+            </a:r>
+            <a:r>
+              <a:rPr lang="en-IN" dirty="0" err="1"/>
+              <a:t>ùNôkR</a:t>
+            </a:r>
+            <a:r>
+              <a:rPr lang="en-IN" dirty="0"/>
+              <a:t> _]</a:t>
+            </a:r>
+            <a:r>
+              <a:rPr lang="en-IN" dirty="0" err="1"/>
+              <a:t>jûR</a:t>
+            </a:r>
+            <a:r>
+              <a:rPr lang="en-IN" dirty="0"/>
+              <a:t> </a:t>
+            </a:r>
+            <a:r>
+              <a:rPr lang="en-IN" dirty="0" err="1"/>
+              <a:t>ÁhLhÓm</a:t>
+            </a:r>
+            <a:endParaRPr lang="en-IN" dirty="0"/>
+          </a:p>
+          <a:p>
+            <a:endParaRPr lang="en-IN" dirty="0"/>
+          </a:p>
+        </p:txBody>
+      </p:sp>
+    </p:spTree>
+    <p:extLst>
+      <p:ext uri="{BB962C8B-B14F-4D97-AF65-F5344CB8AC3E}">
+        <p14:creationId xmlns:p14="http://schemas.microsoft.com/office/powerpoint/2010/main" val="2964080828"/>
       </p:ext>
     </p:extLst>
   </p:cSld>
